--- a/Slides/Class27.pptx
+++ b/Slides/Class27.pptx
@@ -5,15 +5,14 @@
     <p:sldMasterId id="2147483648" r:id="rId1"/>
   </p:sldMasterIdLst>
   <p:notesMasterIdLst>
-    <p:notesMasterId r:id="rId5"/>
+    <p:notesMasterId r:id="rId4"/>
   </p:notesMasterIdLst>
   <p:handoutMasterIdLst>
-    <p:handoutMasterId r:id="rId6"/>
+    <p:handoutMasterId r:id="rId5"/>
   </p:handoutMasterIdLst>
   <p:sldIdLst>
     <p:sldId id="258" r:id="rId2"/>
-    <p:sldId id="409" r:id="rId3"/>
-    <p:sldId id="407" r:id="rId4"/>
+    <p:sldId id="407" r:id="rId3"/>
   </p:sldIdLst>
   <p:sldSz cx="9144000" cy="6858000" type="screen4x3"/>
   <p:notesSz cx="6858000" cy="9144000"/>
@@ -227,7 +226,7 @@
           <a:p>
             <a:fld id="{C24322AF-E05B-7249-906C-FBAC6154C037}" type="datetimeFigureOut">
               <a:rPr lang="en-US" smtClean="0"/>
-              <a:t>12/11/18</a:t>
+              <a:t>1/24/21</a:t>
             </a:fld>
             <a:endParaRPr lang="en-US"/>
           </a:p>
@@ -393,7 +392,7 @@
             <a:fld id="{06A43BE5-3BD4-F642-8751-88A31D8D6D13}" type="datetimeFigureOut">
               <a:rPr lang="en-US" smtClean="0"/>
               <a:pPr/>
-              <a:t>12/11/18</a:t>
+              <a:t>1/24/21</a:t>
             </a:fld>
             <a:endParaRPr lang="en-US"/>
           </a:p>
@@ -936,7 +935,7 @@
             <a:fld id="{A4FA2B0E-4818-9849-9CF1-1031FD4E1DAB}" type="datetimeFigureOut">
               <a:rPr lang="en-US" smtClean="0"/>
               <a:pPr/>
-              <a:t>12/11/18</a:t>
+              <a:t>1/24/21</a:t>
             </a:fld>
             <a:endParaRPr lang="en-US"/>
           </a:p>
@@ -1101,7 +1100,7 @@
             <a:fld id="{A4FA2B0E-4818-9849-9CF1-1031FD4E1DAB}" type="datetimeFigureOut">
               <a:rPr lang="en-US" smtClean="0"/>
               <a:pPr/>
-              <a:t>12/11/18</a:t>
+              <a:t>1/24/21</a:t>
             </a:fld>
             <a:endParaRPr lang="en-US"/>
           </a:p>
@@ -1276,7 +1275,7 @@
             <a:fld id="{A4FA2B0E-4818-9849-9CF1-1031FD4E1DAB}" type="datetimeFigureOut">
               <a:rPr lang="en-US" smtClean="0"/>
               <a:pPr/>
-              <a:t>12/11/18</a:t>
+              <a:t>1/24/21</a:t>
             </a:fld>
             <a:endParaRPr lang="en-US"/>
           </a:p>
@@ -1441,7 +1440,7 @@
             <a:fld id="{A4FA2B0E-4818-9849-9CF1-1031FD4E1DAB}" type="datetimeFigureOut">
               <a:rPr lang="en-US" smtClean="0"/>
               <a:pPr/>
-              <a:t>12/11/18</a:t>
+              <a:t>1/24/21</a:t>
             </a:fld>
             <a:endParaRPr lang="en-US"/>
           </a:p>
@@ -1683,7 +1682,7 @@
             <a:fld id="{A4FA2B0E-4818-9849-9CF1-1031FD4E1DAB}" type="datetimeFigureOut">
               <a:rPr lang="en-US" smtClean="0"/>
               <a:pPr/>
-              <a:t>12/11/18</a:t>
+              <a:t>1/24/21</a:t>
             </a:fld>
             <a:endParaRPr lang="en-US"/>
           </a:p>
@@ -1965,7 +1964,7 @@
             <a:fld id="{A4FA2B0E-4818-9849-9CF1-1031FD4E1DAB}" type="datetimeFigureOut">
               <a:rPr lang="en-US" smtClean="0"/>
               <a:pPr/>
-              <a:t>12/11/18</a:t>
+              <a:t>1/24/21</a:t>
             </a:fld>
             <a:endParaRPr lang="en-US"/>
           </a:p>
@@ -2381,7 +2380,7 @@
             <a:fld id="{A4FA2B0E-4818-9849-9CF1-1031FD4E1DAB}" type="datetimeFigureOut">
               <a:rPr lang="en-US" smtClean="0"/>
               <a:pPr/>
-              <a:t>12/11/18</a:t>
+              <a:t>1/24/21</a:t>
             </a:fld>
             <a:endParaRPr lang="en-US"/>
           </a:p>
@@ -2495,7 +2494,7 @@
             <a:fld id="{A4FA2B0E-4818-9849-9CF1-1031FD4E1DAB}" type="datetimeFigureOut">
               <a:rPr lang="en-US" smtClean="0"/>
               <a:pPr/>
-              <a:t>12/11/18</a:t>
+              <a:t>1/24/21</a:t>
             </a:fld>
             <a:endParaRPr lang="en-US"/>
           </a:p>
@@ -2587,7 +2586,7 @@
             <a:fld id="{A4FA2B0E-4818-9849-9CF1-1031FD4E1DAB}" type="datetimeFigureOut">
               <a:rPr lang="en-US" smtClean="0"/>
               <a:pPr/>
-              <a:t>12/11/18</a:t>
+              <a:t>1/24/21</a:t>
             </a:fld>
             <a:endParaRPr lang="en-US"/>
           </a:p>
@@ -2859,7 +2858,7 @@
             <a:fld id="{A4FA2B0E-4818-9849-9CF1-1031FD4E1DAB}" type="datetimeFigureOut">
               <a:rPr lang="en-US" smtClean="0"/>
               <a:pPr/>
-              <a:t>12/11/18</a:t>
+              <a:t>1/24/21</a:t>
             </a:fld>
             <a:endParaRPr lang="en-US"/>
           </a:p>
@@ -3108,7 +3107,7 @@
             <a:fld id="{A4FA2B0E-4818-9849-9CF1-1031FD4E1DAB}" type="datetimeFigureOut">
               <a:rPr lang="en-US" smtClean="0"/>
               <a:pPr/>
-              <a:t>12/11/18</a:t>
+              <a:t>1/24/21</a:t>
             </a:fld>
             <a:endParaRPr lang="en-US"/>
           </a:p>
@@ -3316,7 +3315,7 @@
             <a:fld id="{A4FA2B0E-4818-9849-9CF1-1031FD4E1DAB}" type="datetimeFigureOut">
               <a:rPr lang="en-US" smtClean="0"/>
               <a:pPr/>
-              <a:t>12/11/18</a:t>
+              <a:t>1/24/21</a:t>
             </a:fld>
             <a:endParaRPr lang="en-US"/>
           </a:p>
@@ -3779,188 +3778,6 @@
 </file>
 
 <file path=ppt/slides/slide2.xml><?xml version="1.0" encoding="utf-8"?>
-<p:sld xmlns:a="http://schemas.openxmlformats.org/drawingml/2006/main" xmlns:r="http://schemas.openxmlformats.org/officeDocument/2006/relationships" xmlns:p="http://schemas.openxmlformats.org/presentationml/2006/main">
-  <p:cSld>
-    <p:spTree>
-      <p:nvGrpSpPr>
-        <p:cNvPr id="1" name=""/>
-        <p:cNvGrpSpPr/>
-        <p:nvPr/>
-      </p:nvGrpSpPr>
-      <p:grpSpPr>
-        <a:xfrm>
-          <a:off x="0" y="0"/>
-          <a:ext cx="0" cy="0"/>
-          <a:chOff x="0" y="0"/>
-          <a:chExt cx="0" cy="0"/>
-        </a:xfrm>
-      </p:grpSpPr>
-      <p:sp>
-        <p:nvSpPr>
-          <p:cNvPr id="4" name="TextBox 3"/>
-          <p:cNvSpPr txBox="1"/>
-          <p:nvPr/>
-        </p:nvSpPr>
-        <p:spPr>
-          <a:xfrm>
-            <a:off x="275549" y="191702"/>
-            <a:ext cx="7536037" cy="553998"/>
-          </a:xfrm>
-          <a:prstGeom prst="rect">
-            <a:avLst/>
-          </a:prstGeom>
-          <a:noFill/>
-        </p:spPr>
-        <p:txBody>
-          <a:bodyPr wrap="none" rtlCol="0">
-            <a:spAutoFit/>
-          </a:bodyPr>
-          <a:lstStyle/>
-          <a:p>
-            <a:r>
-              <a:rPr lang="en-US" sz="3000" b="1" dirty="0">
-                <a:solidFill>
-                  <a:prstClr val="black"/>
-                </a:solidFill>
-                <a:latin typeface="Times New Roman"/>
-                <a:cs typeface="Times New Roman"/>
-              </a:rPr>
-              <a:t>Upcoming Classes (until the end of semester)</a:t>
-            </a:r>
-            <a:endParaRPr lang="en-US" sz="2400" b="1" dirty="0">
-              <a:solidFill>
-                <a:prstClr val="black"/>
-              </a:solidFill>
-              <a:latin typeface="Times New Roman"/>
-              <a:cs typeface="Times New Roman"/>
-            </a:endParaRPr>
-          </a:p>
-        </p:txBody>
-      </p:sp>
-      <p:sp>
-        <p:nvSpPr>
-          <p:cNvPr id="6" name="TextBox 5">
-            <a:extLst>
-              <a:ext uri="{FF2B5EF4-FFF2-40B4-BE49-F238E27FC236}">
-                <a16:creationId xmlns:a16="http://schemas.microsoft.com/office/drawing/2014/main" id="{878A97EC-2834-8447-A6B8-2F5335C4C2C1}"/>
-              </a:ext>
-            </a:extLst>
-          </p:cNvPr>
-          <p:cNvSpPr txBox="1"/>
-          <p:nvPr/>
-        </p:nvSpPr>
-        <p:spPr>
-          <a:xfrm>
-            <a:off x="539603" y="945629"/>
-            <a:ext cx="8375797" cy="2062103"/>
-          </a:xfrm>
-          <a:prstGeom prst="rect">
-            <a:avLst/>
-          </a:prstGeom>
-          <a:noFill/>
-        </p:spPr>
-        <p:txBody>
-          <a:bodyPr wrap="square" rtlCol="0">
-            <a:spAutoFit/>
-          </a:bodyPr>
-          <a:lstStyle/>
-          <a:p>
-            <a:pPr marL="342900" indent="-342900">
-              <a:buFont typeface="Arial" panose="020B0604020202020204" pitchFamily="34" charset="0"/>
-              <a:buChar char="•"/>
-            </a:pPr>
-            <a:r>
-              <a:rPr lang="en-US" sz="2400" dirty="0">
-                <a:latin typeface="Times New Roman" panose="02020603050405020304" pitchFamily="18" charset="0"/>
-                <a:ea typeface="MS Mincho" panose="02020609040205080304" pitchFamily="49" charset="-128"/>
-                <a:cs typeface="Times New Roman" panose="02020603050405020304" pitchFamily="18" charset="0"/>
-              </a:rPr>
-              <a:t>Today</a:t>
-            </a:r>
-          </a:p>
-          <a:p>
-            <a:pPr marL="800100" lvl="1" indent="-342900">
-              <a:buFont typeface="Arial" panose="020B0604020202020204" pitchFamily="34" charset="0"/>
-              <a:buChar char="•"/>
-            </a:pPr>
-            <a:r>
-              <a:rPr lang="en-US" sz="2400" dirty="0">
-                <a:latin typeface="Times New Roman" panose="02020603050405020304" pitchFamily="18" charset="0"/>
-                <a:ea typeface="MS Mincho" panose="02020609040205080304" pitchFamily="49" charset="-128"/>
-                <a:cs typeface="Times New Roman" panose="02020603050405020304" pitchFamily="18" charset="0"/>
-              </a:rPr>
-              <a:t>Submit undergraduate research project form</a:t>
-            </a:r>
-          </a:p>
-          <a:p>
-            <a:pPr marL="800100" lvl="1" indent="-342900">
-              <a:buFont typeface="Arial" panose="020B0604020202020204" pitchFamily="34" charset="0"/>
-              <a:buChar char="•"/>
-            </a:pPr>
-            <a:r>
-              <a:rPr lang="en-US" sz="2400" dirty="0">
-                <a:latin typeface="Times New Roman" panose="02020603050405020304" pitchFamily="18" charset="0"/>
-                <a:ea typeface="MS Mincho" panose="02020609040205080304" pitchFamily="49" charset="-128"/>
-                <a:cs typeface="Times New Roman" panose="02020603050405020304" pitchFamily="18" charset="0"/>
-              </a:rPr>
-              <a:t>Individual presentations of research projects</a:t>
-            </a:r>
-          </a:p>
-          <a:p>
-            <a:pPr marL="342900" indent="-342900">
-              <a:buFont typeface="Arial" panose="020B0604020202020204" pitchFamily="34" charset="0"/>
-              <a:buChar char="•"/>
-            </a:pPr>
-            <a:endParaRPr lang="en-US" sz="800" dirty="0">
-              <a:latin typeface="Times New Roman" panose="02020603050405020304" pitchFamily="18" charset="0"/>
-              <a:ea typeface="MS Mincho" panose="02020609040205080304" pitchFamily="49" charset="-128"/>
-              <a:cs typeface="Times New Roman" panose="02020603050405020304" pitchFamily="18" charset="0"/>
-            </a:endParaRPr>
-          </a:p>
-          <a:p>
-            <a:pPr marL="342900" indent="-342900">
-              <a:buFont typeface="Arial" panose="020B0604020202020204" pitchFamily="34" charset="0"/>
-              <a:buChar char="•"/>
-            </a:pPr>
-            <a:r>
-              <a:rPr lang="en-US" sz="2400" dirty="0">
-                <a:latin typeface="Times New Roman" panose="02020603050405020304" pitchFamily="18" charset="0"/>
-                <a:ea typeface="MS Mincho" panose="02020609040205080304" pitchFamily="49" charset="-128"/>
-                <a:cs typeface="Times New Roman" panose="02020603050405020304" pitchFamily="18" charset="0"/>
-              </a:rPr>
-              <a:t>Next class</a:t>
-            </a:r>
-          </a:p>
-          <a:p>
-            <a:pPr marL="800100" lvl="1" indent="-342900">
-              <a:buFont typeface="Arial" panose="020B0604020202020204" pitchFamily="34" charset="0"/>
-              <a:buChar char="•"/>
-            </a:pPr>
-            <a:r>
-              <a:rPr lang="en-US" sz="2400" dirty="0">
-                <a:latin typeface="Times New Roman" panose="02020603050405020304" pitchFamily="18" charset="0"/>
-                <a:ea typeface="MS Mincho" panose="02020609040205080304" pitchFamily="49" charset="-128"/>
-                <a:cs typeface="Times New Roman" panose="02020603050405020304" pitchFamily="18" charset="0"/>
-              </a:rPr>
-              <a:t>Individual presentations of research projects</a:t>
-            </a:r>
-          </a:p>
-        </p:txBody>
-      </p:sp>
-    </p:spTree>
-    <p:extLst>
-      <p:ext uri="{BB962C8B-B14F-4D97-AF65-F5344CB8AC3E}">
-        <p14:creationId xmlns:p14="http://schemas.microsoft.com/office/powerpoint/2010/main" val="1947408174"/>
-      </p:ext>
-    </p:extLst>
-  </p:cSld>
-  <p:clrMapOvr>
-    <a:masterClrMapping/>
-  </p:clrMapOvr>
-</p:sld>
-</file>
-
-<file path=ppt/slides/slide3.xml><?xml version="1.0" encoding="utf-8"?>
 <p:sld xmlns:a="http://schemas.openxmlformats.org/drawingml/2006/main" xmlns:r="http://schemas.openxmlformats.org/officeDocument/2006/relationships" xmlns:p="http://schemas.openxmlformats.org/presentationml/2006/main">
   <p:cSld>
     <p:spTree>

--- a/Slides/Class27.pptx
+++ b/Slides/Class27.pptx
@@ -226,7 +226,7 @@
           <a:p>
             <a:fld id="{C24322AF-E05B-7249-906C-FBAC6154C037}" type="datetimeFigureOut">
               <a:rPr lang="en-US" smtClean="0"/>
-              <a:t>1/24/21</a:t>
+              <a:t>6/18/25</a:t>
             </a:fld>
             <a:endParaRPr lang="en-US"/>
           </a:p>
@@ -392,7 +392,7 @@
             <a:fld id="{06A43BE5-3BD4-F642-8751-88A31D8D6D13}" type="datetimeFigureOut">
               <a:rPr lang="en-US" smtClean="0"/>
               <a:pPr/>
-              <a:t>1/24/21</a:t>
+              <a:t>6/18/25</a:t>
             </a:fld>
             <a:endParaRPr lang="en-US"/>
           </a:p>
@@ -935,7 +935,7 @@
             <a:fld id="{A4FA2B0E-4818-9849-9CF1-1031FD4E1DAB}" type="datetimeFigureOut">
               <a:rPr lang="en-US" smtClean="0"/>
               <a:pPr/>
-              <a:t>1/24/21</a:t>
+              <a:t>6/18/25</a:t>
             </a:fld>
             <a:endParaRPr lang="en-US"/>
           </a:p>
@@ -1100,7 +1100,7 @@
             <a:fld id="{A4FA2B0E-4818-9849-9CF1-1031FD4E1DAB}" type="datetimeFigureOut">
               <a:rPr lang="en-US" smtClean="0"/>
               <a:pPr/>
-              <a:t>1/24/21</a:t>
+              <a:t>6/18/25</a:t>
             </a:fld>
             <a:endParaRPr lang="en-US"/>
           </a:p>
@@ -1275,7 +1275,7 @@
             <a:fld id="{A4FA2B0E-4818-9849-9CF1-1031FD4E1DAB}" type="datetimeFigureOut">
               <a:rPr lang="en-US" smtClean="0"/>
               <a:pPr/>
-              <a:t>1/24/21</a:t>
+              <a:t>6/18/25</a:t>
             </a:fld>
             <a:endParaRPr lang="en-US"/>
           </a:p>
@@ -1440,7 +1440,7 @@
             <a:fld id="{A4FA2B0E-4818-9849-9CF1-1031FD4E1DAB}" type="datetimeFigureOut">
               <a:rPr lang="en-US" smtClean="0"/>
               <a:pPr/>
-              <a:t>1/24/21</a:t>
+              <a:t>6/18/25</a:t>
             </a:fld>
             <a:endParaRPr lang="en-US"/>
           </a:p>
@@ -1682,7 +1682,7 @@
             <a:fld id="{A4FA2B0E-4818-9849-9CF1-1031FD4E1DAB}" type="datetimeFigureOut">
               <a:rPr lang="en-US" smtClean="0"/>
               <a:pPr/>
-              <a:t>1/24/21</a:t>
+              <a:t>6/18/25</a:t>
             </a:fld>
             <a:endParaRPr lang="en-US"/>
           </a:p>
@@ -1964,7 +1964,7 @@
             <a:fld id="{A4FA2B0E-4818-9849-9CF1-1031FD4E1DAB}" type="datetimeFigureOut">
               <a:rPr lang="en-US" smtClean="0"/>
               <a:pPr/>
-              <a:t>1/24/21</a:t>
+              <a:t>6/18/25</a:t>
             </a:fld>
             <a:endParaRPr lang="en-US"/>
           </a:p>
@@ -2380,7 +2380,7 @@
             <a:fld id="{A4FA2B0E-4818-9849-9CF1-1031FD4E1DAB}" type="datetimeFigureOut">
               <a:rPr lang="en-US" smtClean="0"/>
               <a:pPr/>
-              <a:t>1/24/21</a:t>
+              <a:t>6/18/25</a:t>
             </a:fld>
             <a:endParaRPr lang="en-US"/>
           </a:p>
@@ -2494,7 +2494,7 @@
             <a:fld id="{A4FA2B0E-4818-9849-9CF1-1031FD4E1DAB}" type="datetimeFigureOut">
               <a:rPr lang="en-US" smtClean="0"/>
               <a:pPr/>
-              <a:t>1/24/21</a:t>
+              <a:t>6/18/25</a:t>
             </a:fld>
             <a:endParaRPr lang="en-US"/>
           </a:p>
@@ -2586,7 +2586,7 @@
             <a:fld id="{A4FA2B0E-4818-9849-9CF1-1031FD4E1DAB}" type="datetimeFigureOut">
               <a:rPr lang="en-US" smtClean="0"/>
               <a:pPr/>
-              <a:t>1/24/21</a:t>
+              <a:t>6/18/25</a:t>
             </a:fld>
             <a:endParaRPr lang="en-US"/>
           </a:p>
@@ -2858,7 +2858,7 @@
             <a:fld id="{A4FA2B0E-4818-9849-9CF1-1031FD4E1DAB}" type="datetimeFigureOut">
               <a:rPr lang="en-US" smtClean="0"/>
               <a:pPr/>
-              <a:t>1/24/21</a:t>
+              <a:t>6/18/25</a:t>
             </a:fld>
             <a:endParaRPr lang="en-US"/>
           </a:p>
@@ -3107,7 +3107,7 @@
             <a:fld id="{A4FA2B0E-4818-9849-9CF1-1031FD4E1DAB}" type="datetimeFigureOut">
               <a:rPr lang="en-US" smtClean="0"/>
               <a:pPr/>
-              <a:t>1/24/21</a:t>
+              <a:t>6/18/25</a:t>
             </a:fld>
             <a:endParaRPr lang="en-US"/>
           </a:p>
@@ -3315,7 +3315,7 @@
             <a:fld id="{A4FA2B0E-4818-9849-9CF1-1031FD4E1DAB}" type="datetimeFigureOut">
               <a:rPr lang="en-US" smtClean="0"/>
               <a:pPr/>
-              <a:t>1/24/21</a:t>
+              <a:t>6/18/25</a:t>
             </a:fld>
             <a:endParaRPr lang="en-US"/>
           </a:p>
